--- a/AI_13_임재민_Section1_발표자료.pptx
+++ b/AI_13_임재민_Section1_발표자료.pptx
@@ -136,6 +136,11 @@
       </a:defRPr>
     </a:lvl9pPr>
   </p:defaultTextStyle>
+  <p:extLst>
+    <p:ext uri="{EFAFB233-063F-42B5-8137-9DF3F51BA10A}">
+      <p15:sldGuideLst xmlns:p15="http://schemas.microsoft.com/office/powerpoint/2012/main"/>
+    </p:ext>
+  </p:extLst>
 </p:presentation>
 </file>
 
@@ -30908,15 +30913,16 @@
             </a:r>
             <a:r>
               <a:rPr lang="ko-KR" altLang="en-US" sz="1600" dirty="0"/>
-              <a:t> 더 많은 것으로 파악되나 이는 데이터상 게임의 이름은 같으나 플랫폼이 다른 경우의 값이 배제되어 이를 그룹화해서 할 경우 세계 게임 장르 트렌드와 비슷할 것으로 예상</a:t>
+              <a:t> 더 많은 것으로 파악되나 이는 데이터상 </a:t>
             </a:r>
-            <a:endParaRPr lang="en-US" altLang="ko-KR" sz="1600" dirty="0"/>
-          </a:p>
-          <a:p>
-            <a:pPr marL="285750" indent="-285750" algn="ctr">
-              <a:buFont typeface="Arial" panose="020B0604020202020204" pitchFamily="34" charset="0"/>
-              <a:buChar char="•"/>
-            </a:pPr>
+            <a:r>
+              <a:rPr lang="en-US" altLang="ko-KR" sz="1600" dirty="0"/>
+              <a:t>TOP10</a:t>
+            </a:r>
+            <a:r>
+              <a:rPr lang="ko-KR" altLang="en-US" sz="1600" dirty="0"/>
+              <a:t>을 기준으로 한 것 이기때문에 이렇게 나온 것으로 확인됨</a:t>
+            </a:r>
             <a:endParaRPr lang="en-US" altLang="ko-KR" sz="1600" dirty="0"/>
           </a:p>
           <a:p>
@@ -37437,13 +37443,13 @@
   <p:clrMapOvr>
     <a:masterClrMapping/>
   </p:clrMapOvr>
-  <mc:AlternateContent xmlns:mc="http://schemas.openxmlformats.org/markup-compatibility/2006">
-    <mc:Choice xmlns:p14="http://schemas.microsoft.com/office/powerpoint/2010/main" Requires="p14">
+  <mc:AlternateContent xmlns:mc="http://schemas.openxmlformats.org/markup-compatibility/2006" xmlns:p14="http://schemas.microsoft.com/office/powerpoint/2010/main">
+    <mc:Choice Requires="p14">
       <p:transition spd="slow" p14:dur="3400">
         <p14:reveal/>
       </p:transition>
     </mc:Choice>
-    <mc:Fallback>
+    <mc:Fallback xmlns="">
       <p:transition spd="slow">
         <p:fade/>
       </p:transition>
